--- a/Презентация.pptx
+++ b/Презентация.pptx
@@ -110,6 +110,11 @@
       </a:defRPr>
     </a:lvl9pPr>
   </p:defaultTextStyle>
+  <p:extLst>
+    <p:ext uri="{EFAFB233-063F-42B5-8137-9DF3F51BA10A}">
+      <p15:sldGuideLst xmlns:p15="http://schemas.microsoft.com/office/powerpoint/2012/main"/>
+    </p:ext>
+  </p:extLst>
 </p:presentation>
 </file>
 
@@ -339,7 +344,7 @@
           <a:p>
             <a:fld id="{F40AB68B-7F77-4DAD-8141-B05A2035A9C6}" type="datetimeFigureOut">
               <a:rPr lang="ru-RU" smtClean="0"/>
-              <a:t>16.05.2025</a:t>
+              <a:t>17.05.2025</a:t>
             </a:fld>
             <a:endParaRPr lang="ru-RU"/>
           </a:p>
@@ -547,7 +552,7 @@
           <a:p>
             <a:fld id="{F40AB68B-7F77-4DAD-8141-B05A2035A9C6}" type="datetimeFigureOut">
               <a:rPr lang="ru-RU" smtClean="0"/>
-              <a:t>16.05.2025</a:t>
+              <a:t>17.05.2025</a:t>
             </a:fld>
             <a:endParaRPr lang="ru-RU"/>
           </a:p>
@@ -803,7 +808,7 @@
           <a:p>
             <a:fld id="{F40AB68B-7F77-4DAD-8141-B05A2035A9C6}" type="datetimeFigureOut">
               <a:rPr lang="ru-RU" smtClean="0"/>
-              <a:t>16.05.2025</a:t>
+              <a:t>17.05.2025</a:t>
             </a:fld>
             <a:endParaRPr lang="ru-RU"/>
           </a:p>
@@ -977,7 +982,7 @@
           <a:p>
             <a:fld id="{F40AB68B-7F77-4DAD-8141-B05A2035A9C6}" type="datetimeFigureOut">
               <a:rPr lang="ru-RU" smtClean="0"/>
-              <a:t>16.05.2025</a:t>
+              <a:t>17.05.2025</a:t>
             </a:fld>
             <a:endParaRPr lang="ru-RU"/>
           </a:p>
@@ -1320,7 +1325,7 @@
           <a:p>
             <a:fld id="{F40AB68B-7F77-4DAD-8141-B05A2035A9C6}" type="datetimeFigureOut">
               <a:rPr lang="ru-RU" smtClean="0"/>
-              <a:t>16.05.2025</a:t>
+              <a:t>17.05.2025</a:t>
             </a:fld>
             <a:endParaRPr lang="ru-RU"/>
           </a:p>
@@ -1595,7 +1600,7 @@
           <a:p>
             <a:fld id="{F40AB68B-7F77-4DAD-8141-B05A2035A9C6}" type="datetimeFigureOut">
               <a:rPr lang="ru-RU" smtClean="0"/>
-              <a:t>16.05.2025</a:t>
+              <a:t>17.05.2025</a:t>
             </a:fld>
             <a:endParaRPr lang="ru-RU"/>
           </a:p>
@@ -1974,7 +1979,7 @@
           <a:p>
             <a:fld id="{F40AB68B-7F77-4DAD-8141-B05A2035A9C6}" type="datetimeFigureOut">
               <a:rPr lang="ru-RU" smtClean="0"/>
-              <a:t>16.05.2025</a:t>
+              <a:t>17.05.2025</a:t>
             </a:fld>
             <a:endParaRPr lang="ru-RU"/>
           </a:p>
@@ -2092,7 +2097,7 @@
           <a:p>
             <a:fld id="{F40AB68B-7F77-4DAD-8141-B05A2035A9C6}" type="datetimeFigureOut">
               <a:rPr lang="ru-RU" smtClean="0"/>
-              <a:t>16.05.2025</a:t>
+              <a:t>17.05.2025</a:t>
             </a:fld>
             <a:endParaRPr lang="ru-RU"/>
           </a:p>
@@ -2263,7 +2268,7 @@
           <a:p>
             <a:fld id="{F40AB68B-7F77-4DAD-8141-B05A2035A9C6}" type="datetimeFigureOut">
               <a:rPr lang="ru-RU" smtClean="0"/>
-              <a:t>16.05.2025</a:t>
+              <a:t>17.05.2025</a:t>
             </a:fld>
             <a:endParaRPr lang="ru-RU"/>
           </a:p>
@@ -2617,7 +2622,7 @@
           <a:p>
             <a:fld id="{F40AB68B-7F77-4DAD-8141-B05A2035A9C6}" type="datetimeFigureOut">
               <a:rPr lang="ru-RU" smtClean="0"/>
-              <a:t>16.05.2025</a:t>
+              <a:t>17.05.2025</a:t>
             </a:fld>
             <a:endParaRPr lang="ru-RU"/>
           </a:p>
@@ -2999,7 +3004,7 @@
           <a:p>
             <a:fld id="{F40AB68B-7F77-4DAD-8141-B05A2035A9C6}" type="datetimeFigureOut">
               <a:rPr lang="ru-RU" smtClean="0"/>
-              <a:t>16.05.2025</a:t>
+              <a:t>17.05.2025</a:t>
             </a:fld>
             <a:endParaRPr lang="ru-RU"/>
           </a:p>
@@ -3286,7 +3291,7 @@
           <a:p>
             <a:fld id="{F40AB68B-7F77-4DAD-8141-B05A2035A9C6}" type="datetimeFigureOut">
               <a:rPr lang="ru-RU" smtClean="0"/>
-              <a:t>16.05.2025</a:t>
+              <a:t>17.05.2025</a:t>
             </a:fld>
             <a:endParaRPr lang="ru-RU"/>
           </a:p>
@@ -4072,10 +4077,10 @@
           <a:lstStyle/>
           <a:p>
             <a:r>
-              <a:rPr lang="ru-RU" dirty="0" smtClean="0"/>
+              <a:rPr lang="ru-RU" b="1" dirty="0" smtClean="0"/>
               <a:t>Структура приложения</a:t>
             </a:r>
-            <a:endParaRPr lang="ru-RU" dirty="0"/>
+            <a:endParaRPr lang="ru-RU" b="1" dirty="0"/>
           </a:p>
         </p:txBody>
       </p:sp>
@@ -4179,10 +4184,10 @@
           <a:lstStyle/>
           <a:p>
             <a:r>
-              <a:rPr lang="ru-RU" dirty="0" smtClean="0"/>
+              <a:rPr lang="ru-RU" b="1" dirty="0" smtClean="0"/>
               <a:t>Схема  приложения</a:t>
             </a:r>
-            <a:endParaRPr lang="ru-RU" dirty="0"/>
+            <a:endParaRPr lang="ru-RU" b="1" dirty="0"/>
           </a:p>
         </p:txBody>
       </p:sp>
@@ -4256,14 +4261,10 @@
           <a:lstStyle/>
           <a:p>
             <a:r>
-              <a:rPr lang="ru-RU" dirty="0" smtClean="0"/>
-              <a:t>Схема базы </a:t>
-            </a:r>
-            <a:r>
-              <a:rPr lang="ru-RU" dirty="0" smtClean="0"/>
-              <a:t>данных</a:t>
-            </a:r>
-            <a:endParaRPr lang="ru-RU" dirty="0"/>
+              <a:rPr lang="ru-RU" b="1" dirty="0" smtClean="0"/>
+              <a:t>Схема базы данных</a:t>
+            </a:r>
+            <a:endParaRPr lang="ru-RU" b="1" dirty="0"/>
           </a:p>
         </p:txBody>
       </p:sp>
@@ -4337,10 +4338,10 @@
           <a:lstStyle/>
           <a:p>
             <a:r>
-              <a:rPr lang="ru-RU" dirty="0" smtClean="0"/>
+              <a:rPr lang="ru-RU" b="1" dirty="0" smtClean="0"/>
               <a:t>Технологии использованные при разработке</a:t>
             </a:r>
-            <a:endParaRPr lang="ru-RU" dirty="0"/>
+            <a:endParaRPr lang="ru-RU" b="1" dirty="0"/>
           </a:p>
         </p:txBody>
       </p:sp>
@@ -4552,29 +4553,107 @@
           <a:lstStyle/>
           <a:p>
             <a:r>
+              <a:rPr lang="ru-RU" b="1" dirty="0" smtClean="0"/>
+              <a:t>Варианты развития приложения</a:t>
+            </a:r>
+            <a:endParaRPr lang="ru-RU" b="1" dirty="0"/>
+          </a:p>
+        </p:txBody>
+      </p:sp>
+      <p:sp>
+        <p:nvSpPr>
+          <p:cNvPr id="3" name="Объект 2"/>
+          <p:cNvSpPr>
+            <a:spLocks noGrp="1"/>
+          </p:cNvSpPr>
+          <p:nvPr>
+            <p:ph idx="1"/>
+          </p:nvPr>
+        </p:nvSpPr>
+        <p:spPr/>
+        <p:txBody>
+          <a:bodyPr/>
+          <a:lstStyle/>
+          <a:p>
+            <a:pPr>
+              <a:buFont typeface="Arial" panose="020B0604020202020204" pitchFamily="34" charset="0"/>
+              <a:buChar char="•"/>
+            </a:pPr>
+            <a:r>
               <a:rPr lang="ru-RU" dirty="0" smtClean="0"/>
-              <a:t>Варианты развития приложения</a:t>
-            </a:r>
+              <a:t> Улучшение дизайна сайта</a:t>
+            </a:r>
+          </a:p>
+          <a:p>
+            <a:pPr>
+              <a:buFont typeface="Arial" panose="020B0604020202020204" pitchFamily="34" charset="0"/>
+              <a:buChar char="•"/>
+            </a:pPr>
+            <a:r>
+              <a:rPr lang="ru-RU" dirty="0" smtClean="0"/>
+              <a:t> Добавить возможность взаимодействовать с профилем других пользователей</a:t>
+            </a:r>
+            <a:r>
+              <a:rPr lang="ru-RU" dirty="0" smtClean="0"/>
+              <a:t>, например</a:t>
+            </a:r>
+            <a:r>
+              <a:rPr lang="en-US" dirty="0" smtClean="0"/>
+              <a:t>:</a:t>
+            </a:r>
+            <a:endParaRPr lang="ru-RU" dirty="0" smtClean="0"/>
+          </a:p>
+          <a:p>
+            <a:pPr marL="544068" lvl="1" indent="-342900">
+              <a:buFont typeface="+mj-lt"/>
+              <a:buAutoNum type="arabicPeriod"/>
+            </a:pPr>
+            <a:r>
+              <a:rPr lang="ru-RU" sz="1600" dirty="0" smtClean="0"/>
+              <a:t>Просмотр избранных книг</a:t>
+            </a:r>
+          </a:p>
+          <a:p>
+            <a:pPr marL="544068" lvl="1" indent="-342900">
+              <a:buFont typeface="+mj-lt"/>
+              <a:buAutoNum type="arabicPeriod"/>
+            </a:pPr>
+            <a:r>
+              <a:rPr lang="ru-RU" sz="1600" dirty="0" smtClean="0"/>
+              <a:t>Открытые отзывы и оценки книг пользователя</a:t>
+            </a:r>
+          </a:p>
+          <a:p>
+            <a:pPr marL="544068" lvl="1" indent="-342900">
+              <a:buFont typeface="+mj-lt"/>
+              <a:buAutoNum type="arabicPeriod"/>
+            </a:pPr>
+            <a:r>
+              <a:rPr lang="ru-RU" sz="1600" dirty="0" smtClean="0"/>
+              <a:t>Возможность общаться с людьми прямо на сайте в личных сообщениях</a:t>
+            </a:r>
+            <a:endParaRPr lang="ru-RU" sz="1600" dirty="0" smtClean="0"/>
+          </a:p>
+          <a:p>
+            <a:pPr>
+              <a:buFont typeface="Arial" panose="020B0604020202020204" pitchFamily="34" charset="0"/>
+              <a:buChar char="•"/>
+            </a:pPr>
+            <a:r>
+              <a:rPr lang="ru-RU" dirty="0"/>
+              <a:t> </a:t>
+            </a:r>
+            <a:r>
+              <a:rPr lang="ru-RU" dirty="0" smtClean="0"/>
+              <a:t>Добавить возможность публиковать свои книги</a:t>
+            </a:r>
+          </a:p>
+          <a:p>
+            <a:pPr>
+              <a:buFont typeface="Arial" panose="020B0604020202020204" pitchFamily="34" charset="0"/>
+              <a:buChar char="•"/>
+            </a:pPr>
             <a:endParaRPr lang="ru-RU" dirty="0"/>
-          </a:p>
-        </p:txBody>
-      </p:sp>
-      <p:sp>
-        <p:nvSpPr>
-          <p:cNvPr id="3" name="Объект 2"/>
-          <p:cNvSpPr>
-            <a:spLocks noGrp="1"/>
-          </p:cNvSpPr>
-          <p:nvPr>
-            <p:ph idx="1"/>
-          </p:nvPr>
-        </p:nvSpPr>
-        <p:spPr/>
-        <p:txBody>
-          <a:bodyPr/>
-          <a:lstStyle/>
-          <a:p>
-            <a:endParaRPr lang="ru-RU"/>
           </a:p>
         </p:txBody>
       </p:sp>

--- a/Презентация.pptx
+++ b/Презентация.pptx
@@ -4591,11 +4591,7 @@
             </a:pPr>
             <a:r>
               <a:rPr lang="ru-RU" dirty="0" smtClean="0"/>
-              <a:t> Добавить возможность взаимодействовать с профилем других пользователей</a:t>
-            </a:r>
-            <a:r>
-              <a:rPr lang="ru-RU" dirty="0" smtClean="0"/>
-              <a:t>, например</a:t>
+              <a:t> Добавить возможность взаимодействовать с профилем других пользователей, например</a:t>
             </a:r>
             <a:r>
               <a:rPr lang="en-US" dirty="0" smtClean="0"/>
@@ -4610,7 +4606,11 @@
             </a:pPr>
             <a:r>
               <a:rPr lang="ru-RU" sz="1600" dirty="0" smtClean="0"/>
-              <a:t>Просмотр избранных книг</a:t>
+              <a:t>Открытые </a:t>
+            </a:r>
+            <a:r>
+              <a:rPr lang="ru-RU" sz="1600" dirty="0" smtClean="0"/>
+              <a:t>отзывы и оценки книг пользователя</a:t>
             </a:r>
           </a:p>
           <a:p>
@@ -4620,19 +4620,8 @@
             </a:pPr>
             <a:r>
               <a:rPr lang="ru-RU" sz="1600" dirty="0" smtClean="0"/>
-              <a:t>Открытые отзывы и оценки книг пользователя</a:t>
-            </a:r>
-          </a:p>
-          <a:p>
-            <a:pPr marL="544068" lvl="1" indent="-342900">
-              <a:buFont typeface="+mj-lt"/>
-              <a:buAutoNum type="arabicPeriod"/>
-            </a:pPr>
-            <a:r>
-              <a:rPr lang="ru-RU" sz="1600" dirty="0" smtClean="0"/>
               <a:t>Возможность общаться с людьми прямо на сайте в личных сообщениях</a:t>
             </a:r>
-            <a:endParaRPr lang="ru-RU" sz="1600" dirty="0" smtClean="0"/>
           </a:p>
           <a:p>
             <a:pPr>
